--- a/Platinum_asterois/HeavyMetal_PH.pptx
+++ b/Platinum_asterois/HeavyMetal_PH.pptx
@@ -12,7 +12,7 @@
     <p:sldId id="266" r:id="rId6"/>
     <p:sldId id="264" r:id="rId7"/>
     <p:sldId id="265" r:id="rId8"/>
-    <p:sldId id="267" r:id="rId9"/>
+    <p:sldId id="272" r:id="rId9"/>
   </p:sldIdLst>
   <p:sldSz cx="12192000" cy="6858000"/>
   <p:notesSz cx="6858000" cy="9144000"/>
@@ -266,7 +266,7 @@
           <a:p>
             <a:fld id="{CE3FCA85-F18D-4136-B53A-D1BE122C06A9}" type="datetimeFigureOut">
               <a:rPr lang="en-US" smtClean="0"/>
-              <a:t>10/27/2020</a:t>
+              <a:t>10/28/2020</a:t>
             </a:fld>
             <a:endParaRPr lang="en-US"/>
           </a:p>
@@ -464,7 +464,7 @@
           <a:p>
             <a:fld id="{CE3FCA85-F18D-4136-B53A-D1BE122C06A9}" type="datetimeFigureOut">
               <a:rPr lang="en-US" smtClean="0"/>
-              <a:t>10/27/2020</a:t>
+              <a:t>10/28/2020</a:t>
             </a:fld>
             <a:endParaRPr lang="en-US"/>
           </a:p>
@@ -672,7 +672,7 @@
           <a:p>
             <a:fld id="{CE3FCA85-F18D-4136-B53A-D1BE122C06A9}" type="datetimeFigureOut">
               <a:rPr lang="en-US" smtClean="0"/>
-              <a:t>10/27/2020</a:t>
+              <a:t>10/28/2020</a:t>
             </a:fld>
             <a:endParaRPr lang="en-US"/>
           </a:p>
@@ -870,7 +870,7 @@
           <a:p>
             <a:fld id="{CE3FCA85-F18D-4136-B53A-D1BE122C06A9}" type="datetimeFigureOut">
               <a:rPr lang="en-US" smtClean="0"/>
-              <a:t>10/27/2020</a:t>
+              <a:t>10/28/2020</a:t>
             </a:fld>
             <a:endParaRPr lang="en-US"/>
           </a:p>
@@ -1145,7 +1145,7 @@
           <a:p>
             <a:fld id="{CE3FCA85-F18D-4136-B53A-D1BE122C06A9}" type="datetimeFigureOut">
               <a:rPr lang="en-US" smtClean="0"/>
-              <a:t>10/27/2020</a:t>
+              <a:t>10/28/2020</a:t>
             </a:fld>
             <a:endParaRPr lang="en-US"/>
           </a:p>
@@ -1410,7 +1410,7 @@
           <a:p>
             <a:fld id="{CE3FCA85-F18D-4136-B53A-D1BE122C06A9}" type="datetimeFigureOut">
               <a:rPr lang="en-US" smtClean="0"/>
-              <a:t>10/27/2020</a:t>
+              <a:t>10/28/2020</a:t>
             </a:fld>
             <a:endParaRPr lang="en-US"/>
           </a:p>
@@ -1822,7 +1822,7 @@
           <a:p>
             <a:fld id="{CE3FCA85-F18D-4136-B53A-D1BE122C06A9}" type="datetimeFigureOut">
               <a:rPr lang="en-US" smtClean="0"/>
-              <a:t>10/27/2020</a:t>
+              <a:t>10/28/2020</a:t>
             </a:fld>
             <a:endParaRPr lang="en-US"/>
           </a:p>
@@ -1963,7 +1963,7 @@
           <a:p>
             <a:fld id="{CE3FCA85-F18D-4136-B53A-D1BE122C06A9}" type="datetimeFigureOut">
               <a:rPr lang="en-US" smtClean="0"/>
-              <a:t>10/27/2020</a:t>
+              <a:t>10/28/2020</a:t>
             </a:fld>
             <a:endParaRPr lang="en-US"/>
           </a:p>
@@ -2076,7 +2076,7 @@
           <a:p>
             <a:fld id="{CE3FCA85-F18D-4136-B53A-D1BE122C06A9}" type="datetimeFigureOut">
               <a:rPr lang="en-US" smtClean="0"/>
-              <a:t>10/27/2020</a:t>
+              <a:t>10/28/2020</a:t>
             </a:fld>
             <a:endParaRPr lang="en-US"/>
           </a:p>
@@ -2387,7 +2387,7 @@
           <a:p>
             <a:fld id="{CE3FCA85-F18D-4136-B53A-D1BE122C06A9}" type="datetimeFigureOut">
               <a:rPr lang="en-US" smtClean="0"/>
-              <a:t>10/27/2020</a:t>
+              <a:t>10/28/2020</a:t>
             </a:fld>
             <a:endParaRPr lang="en-US"/>
           </a:p>
@@ -2675,7 +2675,7 @@
           <a:p>
             <a:fld id="{CE3FCA85-F18D-4136-B53A-D1BE122C06A9}" type="datetimeFigureOut">
               <a:rPr lang="en-US" smtClean="0"/>
-              <a:t>10/27/2020</a:t>
+              <a:t>10/28/2020</a:t>
             </a:fld>
             <a:endParaRPr lang="en-US"/>
           </a:p>
@@ -2916,7 +2916,7 @@
           <a:p>
             <a:fld id="{CE3FCA85-F18D-4136-B53A-D1BE122C06A9}" type="datetimeFigureOut">
               <a:rPr lang="en-US" smtClean="0"/>
-              <a:t>10/27/2020</a:t>
+              <a:t>10/28/2020</a:t>
             </a:fld>
             <a:endParaRPr lang="en-US"/>
           </a:p>
@@ -4144,8 +4144,8 @@
         </p:nvSpPr>
         <p:spPr>
           <a:xfrm>
-            <a:off x="709116" y="2341041"/>
-            <a:ext cx="9741168" cy="2677656"/>
+            <a:off x="1381124" y="2496081"/>
+            <a:ext cx="8355371" cy="3416320"/>
           </a:xfrm>
           <a:prstGeom prst="rect">
             <a:avLst/>
@@ -4316,8 +4316,8 @@
         </p:nvSpPr>
         <p:spPr>
           <a:xfrm>
-            <a:off x="709116" y="1008307"/>
-            <a:ext cx="9741169" cy="830997"/>
+            <a:off x="1381124" y="1046709"/>
+            <a:ext cx="7546987" cy="1200329"/>
           </a:xfrm>
           <a:prstGeom prst="rect">
             <a:avLst/>
@@ -4389,7 +4389,7 @@
         </p:nvSpPr>
         <p:spPr>
           <a:xfrm>
-            <a:off x="3726636" y="300421"/>
+            <a:off x="3669245" y="235619"/>
             <a:ext cx="3379451" cy="707886"/>
           </a:xfrm>
           <a:prstGeom prst="rect">
@@ -4410,6 +4410,60 @@
           </a:p>
         </p:txBody>
       </p:sp>
+      <p:pic>
+        <p:nvPicPr>
+          <p:cNvPr id="3" name="Picture 2">
+            <a:extLst>
+              <a:ext uri="{FF2B5EF4-FFF2-40B4-BE49-F238E27FC236}">
+                <a16:creationId xmlns:a16="http://schemas.microsoft.com/office/drawing/2014/main" id="{ED86AE8D-4350-4DA6-A218-19EF509D77B1}"/>
+              </a:ext>
+            </a:extLst>
+          </p:cNvPr>
+          <p:cNvPicPr>
+            <a:picLocks noChangeAspect="1"/>
+          </p:cNvPicPr>
+          <p:nvPr/>
+        </p:nvPicPr>
+        <p:blipFill>
+          <a:blip r:embed="rId2">
+            <a:extLst>
+              <a:ext uri="{BEBA8EAE-BF5A-486C-A8C5-ECC9F3942E4B}">
+                <a14:imgProps xmlns:a14="http://schemas.microsoft.com/office/drawing/2010/main">
+                  <a14:imgLayer r:embed="rId3">
+                    <a14:imgEffect>
+                      <a14:backgroundRemoval t="6468" b="90879" l="9846" r="89768">
+                        <a14:foregroundMark x1="42857" y1="6468" x2="42857" y2="6468"/>
+                        <a14:foregroundMark x1="62355" y1="29685" x2="62355" y2="29685"/>
+                        <a14:foregroundMark x1="64672" y1="28524" x2="64672" y2="28524"/>
+                        <a14:foregroundMark x1="62741" y1="90879" x2="62741" y2="90879"/>
+                        <a14:foregroundMark x1="33205" y1="73798" x2="33205" y2="73798"/>
+                        <a14:foregroundMark x1="65251" y1="28027" x2="65251" y2="28027"/>
+                        <a14:backgroundMark x1="66988" y1="85572" x2="66988" y2="85572"/>
+                        <a14:backgroundMark x1="68340" y1="93035" x2="68340" y2="93035"/>
+                        <a14:backgroundMark x1="65637" y1="87562" x2="65637" y2="87562"/>
+                        <a14:backgroundMark x1="65251" y1="88391" x2="65251" y2="88391"/>
+                        <a14:backgroundMark x1="67761" y1="83250" x2="67761" y2="83250"/>
+                      </a14:backgroundRemoval>
+                    </a14:imgEffect>
+                  </a14:imgLayer>
+                </a14:imgProps>
+              </a:ext>
+            </a:extLst>
+          </a:blip>
+          <a:stretch>
+            <a:fillRect/>
+          </a:stretch>
+        </p:blipFill>
+        <p:spPr>
+          <a:xfrm>
+            <a:off x="9297241" y="1646874"/>
+            <a:ext cx="3044820" cy="3544453"/>
+          </a:xfrm>
+          <a:prstGeom prst="rect">
+            <a:avLst/>
+          </a:prstGeom>
+        </p:spPr>
+      </p:pic>
     </p:spTree>
     <p:extLst>
       <p:ext uri="{BB962C8B-B14F-4D97-AF65-F5344CB8AC3E}">
@@ -5530,22 +5584,13 @@
               <a:t>	</a:t>
             </a:r>
             <a:r>
-              <a:rPr lang="en-US" sz="1800" b="1">
-                <a:effectLst/>
-                <a:latin typeface="Calibri" panose="020F0502020204030204" pitchFamily="34" charset="0"/>
-                <a:ea typeface="Calibri" panose="020F0502020204030204" pitchFamily="34" charset="0"/>
-                <a:cs typeface="Times New Roman" panose="02020603050405020304" pitchFamily="18" charset="0"/>
-              </a:rPr>
-              <a:t>If an </a:t>
-            </a:r>
-            <a:r>
               <a:rPr lang="en-US" sz="1800" b="1" dirty="0">
                 <a:effectLst/>
                 <a:latin typeface="Calibri" panose="020F0502020204030204" pitchFamily="34" charset="0"/>
                 <a:ea typeface="Calibri" panose="020F0502020204030204" pitchFamily="34" charset="0"/>
                 <a:cs typeface="Times New Roman" panose="02020603050405020304" pitchFamily="18" charset="0"/>
               </a:rPr>
-              <a:t>asteroid with rare earth elements are close to earth, then a measurable amount of </a:t>
+              <a:t>If an asteroid with rare earth elements are close to earth, then a measurable amount of </a:t>
             </a:r>
           </a:p>
           <a:p>
@@ -5629,13 +5674,119 @@
           <a:p>
             <a:pPr algn="ctr"/>
             <a:r>
-              <a:rPr lang="en-US" u="sng" dirty="0"/>
+              <a:rPr lang="en-US" sz="4000" u="sng" dirty="0"/>
               <a:t>Conclusion</a:t>
             </a:r>
-            <a:endParaRPr lang="en-US" dirty="0"/>
-          </a:p>
-        </p:txBody>
-      </p:sp>
+            <a:endParaRPr lang="en-US" sz="4000" dirty="0"/>
+          </a:p>
+        </p:txBody>
+      </p:sp>
+      <p:pic>
+        <p:nvPicPr>
+          <p:cNvPr id="4" name="Picture 3">
+            <a:extLst>
+              <a:ext uri="{FF2B5EF4-FFF2-40B4-BE49-F238E27FC236}">
+                <a16:creationId xmlns:a16="http://schemas.microsoft.com/office/drawing/2014/main" id="{1033E564-19EC-4B05-BBB7-95E722DE4F04}"/>
+              </a:ext>
+            </a:extLst>
+          </p:cNvPr>
+          <p:cNvPicPr>
+            <a:picLocks noChangeAspect="1"/>
+          </p:cNvPicPr>
+          <p:nvPr/>
+        </p:nvPicPr>
+        <p:blipFill>
+          <a:blip r:embed="rId2">
+            <a:extLst>
+              <a:ext uri="{BEBA8EAE-BF5A-486C-A8C5-ECC9F3942E4B}">
+                <a14:imgProps xmlns:a14="http://schemas.microsoft.com/office/drawing/2010/main">
+                  <a14:imgLayer r:embed="rId3">
+                    <a14:imgEffect>
+                      <a14:backgroundRemoval t="5805" b="93633" l="2932" r="92834">
+                        <a14:foregroundMark x1="72150" y1="11236" x2="72150" y2="11236"/>
+                        <a14:foregroundMark x1="72801" y1="9363" x2="72801" y2="9363"/>
+                        <a14:foregroundMark x1="92834" y1="52996" x2="92834" y2="52996"/>
+                        <a14:foregroundMark x1="75570" y1="9363" x2="75570" y2="9363"/>
+                        <a14:foregroundMark x1="70684" y1="9738" x2="70684" y2="9738"/>
+                        <a14:foregroundMark x1="70033" y1="9363" x2="70033" y2="9363"/>
+                        <a14:foregroundMark x1="68730" y1="9738" x2="68730" y2="9738"/>
+                        <a14:foregroundMark x1="76547" y1="9738" x2="76547" y2="9738"/>
+                        <a14:foregroundMark x1="76547" y1="9363" x2="76547" y2="9363"/>
+                        <a14:foregroundMark x1="68730" y1="9738" x2="68730" y2="9738"/>
+                        <a14:foregroundMark x1="25733" y1="11236" x2="25733" y2="11236"/>
+                        <a14:foregroundMark x1="13192" y1="21161" x2="15798" y2="23034"/>
+                        <a14:foregroundMark x1="10923" y1="9617" x2="2769" y2="21536"/>
+                        <a14:foregroundMark x1="2769" y1="21536" x2="10805" y2="31756"/>
+                        <a14:foregroundMark x1="46836" y1="25980" x2="44982" y2="15079"/>
+                        <a14:foregroundMark x1="10636" y1="9131" x2="3583" y2="19101"/>
+                        <a14:foregroundMark x1="3583" y1="19101" x2="5375" y2="28464"/>
+                        <a14:foregroundMark x1="26384" y1="22285" x2="16450" y2="27341"/>
+                        <a14:foregroundMark x1="18241" y1="14419" x2="10423" y2="25281"/>
+                        <a14:foregroundMark x1="21010" y1="14045" x2="38599" y2="14045"/>
+                        <a14:foregroundMark x1="38599" y1="14045" x2="38925" y2="17228"/>
+                        <a14:foregroundMark x1="41531" y1="16479" x2="29316" y2="27341"/>
+                        <a14:foregroundMark x1="29316" y1="27341" x2="23290" y2="28464"/>
+                        <a14:foregroundMark x1="74430" y1="8989" x2="74430" y2="8989"/>
+                        <a14:foregroundMark x1="72476" y1="8989" x2="72476" y2="8989"/>
+                        <a14:foregroundMark x1="77850" y1="8989" x2="63847" y2="15722"/>
+                        <a14:foregroundMark x1="77524" y1="9738" x2="82573" y2="15918"/>
+                        <a14:foregroundMark x1="68730" y1="94007" x2="68730" y2="94007"/>
+                        <a14:foregroundMark x1="21010" y1="34644" x2="21010" y2="34644"/>
+                        <a14:foregroundMark x1="32410" y1="33895" x2="32410" y2="33895"/>
+                        <a14:foregroundMark x1="35505" y1="33146" x2="35505" y2="33146"/>
+                        <a14:foregroundMark x1="34202" y1="34270" x2="34202" y2="34270"/>
+                        <a14:foregroundMark x1="35179" y1="32397" x2="44625" y2="22285"/>
+                        <a14:foregroundMark x1="36482" y1="30337" x2="43648" y2="23034"/>
+                        <a14:foregroundMark x1="16938" y1="7491" x2="32899" y2="7491"/>
+                        <a14:foregroundMark x1="32899" y1="7491" x2="43322" y2="14794"/>
+                        <a14:foregroundMark x1="34202" y1="7116" x2="42997" y2="15169"/>
+                        <a14:foregroundMark x1="22964" y1="5805" x2="27687" y2="5805"/>
+                        <a14:foregroundMark x1="9446" y1="10112" x2="19870" y2="7865"/>
+                        <a14:foregroundMark x1="30782" y1="33146" x2="38599" y2="31648"/>
+                        <a14:foregroundMark x1="53746" y1="21536" x2="53746" y2="21536"/>
+                        <a14:backgroundMark x1="31307" y1="35540" x2="30619" y2="35955"/>
+                        <a14:backgroundMark x1="44300" y1="27715" x2="38958" y2="30932"/>
+                        <a14:backgroundMark x1="30619" y1="35955" x2="15309" y2="36330"/>
+                        <a14:backgroundMark x1="15309" y1="36330" x2="14821" y2="34644"/>
+                        <a14:backgroundMark x1="44951" y1="28090" x2="49023" y2="31273"/>
+                        <a14:backgroundMark x1="31312" y1="4804" x2="31107" y2="4682"/>
+                        <a14:backgroundMark x1="33882" y1="6333" x2="33625" y2="6180"/>
+                        <a14:backgroundMark x1="14527" y1="6545" x2="9446" y2="7116"/>
+                        <a14:backgroundMark x1="31107" y1="4682" x2="30021" y2="4804"/>
+                        <a14:backgroundMark x1="17264" y1="39326" x2="15147" y2="36330"/>
+                        <a14:backgroundMark x1="13844" y1="35955" x2="13844" y2="35955"/>
+                        <a14:backgroundMark x1="13844" y1="35581" x2="13844" y2="35581"/>
+                        <a14:backgroundMark x1="13518" y1="34644" x2="13518" y2="34644"/>
+                        <a14:backgroundMark x1="17590" y1="37453" x2="11401" y2="34270"/>
+                        <a14:backgroundMark x1="44625" y1="11236" x2="43431" y2="11236"/>
+                        <a14:backgroundMark x1="61238" y1="14419" x2="60261" y2="20599"/>
+                        <a14:backgroundMark x1="35831" y1="34644" x2="35831" y2="34644"/>
+                        <a14:backgroundMark x1="38274" y1="32772" x2="38274" y2="32772"/>
+                        <a14:backgroundMark x1="35831" y1="33521" x2="35831" y2="33521"/>
+                        <a14:backgroundMark x1="34528" y1="34644" x2="34528" y2="34644"/>
+                        <a14:backgroundMark x1="38599" y1="32397" x2="38599" y2="32397"/>
+                        <a14:backgroundMark x1="36482" y1="33895" x2="36482" y2="33895"/>
+                      </a14:backgroundRemoval>
+                    </a14:imgEffect>
+                  </a14:imgLayer>
+                </a14:imgProps>
+              </a:ext>
+            </a:extLst>
+          </a:blip>
+          <a:stretch>
+            <a:fillRect/>
+          </a:stretch>
+        </p:blipFill>
+        <p:spPr>
+          <a:xfrm>
+            <a:off x="8230009" y="701061"/>
+            <a:ext cx="3912934" cy="3403105"/>
+          </a:xfrm>
+          <a:prstGeom prst="rect">
+            <a:avLst/>
+          </a:prstGeom>
+        </p:spPr>
+      </p:pic>
     </p:spTree>
     <p:extLst>
       <p:ext uri="{BB962C8B-B14F-4D97-AF65-F5344CB8AC3E}">
@@ -5671,7 +5822,7 @@
           <p:cNvPr id="2" name="Title 1">
             <a:extLst>
               <a:ext uri="{FF2B5EF4-FFF2-40B4-BE49-F238E27FC236}">
-                <a16:creationId xmlns:a16="http://schemas.microsoft.com/office/drawing/2014/main" id="{573D67AD-7A43-4613-BB13-2BD8681EB502}"/>
+                <a16:creationId xmlns:a16="http://schemas.microsoft.com/office/drawing/2014/main" id="{9E6CBC64-8621-4E42-B7D2-72DCBC53C1B8}"/>
               </a:ext>
             </a:extLst>
           </p:cNvPr>
@@ -5684,8 +5835,8 @@
         </p:nvSpPr>
         <p:spPr>
           <a:xfrm>
-            <a:off x="838200" y="365126"/>
-            <a:ext cx="4177937" cy="1058726"/>
+            <a:off x="4261757" y="-105138"/>
+            <a:ext cx="3668486" cy="1325563"/>
           </a:xfrm>
         </p:spPr>
         <p:txBody>
@@ -5694,40 +5845,1295 @@
           </a:bodyPr>
           <a:lstStyle/>
           <a:p>
-            <a:pPr algn="ctr"/>
-            <a:endParaRPr lang="en-US" dirty="0"/>
-          </a:p>
-        </p:txBody>
-      </p:sp>
-      <p:sp>
-        <p:nvSpPr>
-          <p:cNvPr id="3" name="Content Placeholder 2">
-            <a:extLst>
-              <a:ext uri="{FF2B5EF4-FFF2-40B4-BE49-F238E27FC236}">
-                <a16:creationId xmlns:a16="http://schemas.microsoft.com/office/drawing/2014/main" id="{1EB92A6F-0933-4F55-A7E3-1BD1D4DC15C5}"/>
-              </a:ext>
-            </a:extLst>
-          </p:cNvPr>
-          <p:cNvSpPr>
-            <a:spLocks noGrp="1"/>
-          </p:cNvSpPr>
-          <p:nvPr>
-            <p:ph idx="1"/>
-          </p:nvPr>
-        </p:nvSpPr>
-        <p:spPr/>
-        <p:txBody>
-          <a:bodyPr/>
+            <a:r>
+              <a:rPr lang="en-US" sz="4000" dirty="0"/>
+              <a:t>References</a:t>
+            </a:r>
+          </a:p>
+        </p:txBody>
+      </p:sp>
+      <p:sp>
+        <p:nvSpPr>
+          <p:cNvPr id="5" name="TextBox 4">
+            <a:extLst>
+              <a:ext uri="{FF2B5EF4-FFF2-40B4-BE49-F238E27FC236}">
+                <a16:creationId xmlns:a16="http://schemas.microsoft.com/office/drawing/2014/main" id="{C667B110-6141-445B-BE0C-2C812CFFEC2C}"/>
+              </a:ext>
+            </a:extLst>
+          </p:cNvPr>
+          <p:cNvSpPr txBox="1"/>
+          <p:nvPr/>
+        </p:nvSpPr>
+        <p:spPr>
+          <a:xfrm>
+            <a:off x="333103" y="893853"/>
+            <a:ext cx="11201399" cy="5570756"/>
+          </a:xfrm>
+          <a:prstGeom prst="rect">
+            <a:avLst/>
+          </a:prstGeom>
+          <a:noFill/>
+        </p:spPr>
+        <p:txBody>
+          <a:bodyPr wrap="square" rtlCol="0">
+            <a:spAutoFit/>
+          </a:bodyPr>
           <a:lstStyle/>
           <a:p>
-            <a:endParaRPr lang="en-US" dirty="0"/>
+            <a:pPr marL="0" marR="0" lvl="0" indent="0" algn="l" defTabSz="914400" rtl="0" eaLnBrk="1" fontAlgn="auto" latinLnBrk="0" hangingPunct="1">
+              <a:lnSpc>
+                <a:spcPct val="100000"/>
+              </a:lnSpc>
+              <a:spcBef>
+                <a:spcPts val="0"/>
+              </a:spcBef>
+              <a:spcAft>
+                <a:spcPts val="0"/>
+              </a:spcAft>
+              <a:buClrTx/>
+              <a:buSzTx/>
+              <a:buFontTx/>
+              <a:buNone/>
+              <a:tabLst/>
+              <a:defRPr/>
+            </a:pPr>
+            <a:r>
+              <a:rPr kumimoji="0" lang="en-US" sz="1600" b="1" i="0" u="none" strike="noStrike" kern="1200" cap="none" spc="0" normalizeH="0" baseline="0" noProof="0" dirty="0">
+                <a:ln>
+                  <a:noFill/>
+                </a:ln>
+                <a:solidFill>
+                  <a:prstClr val="black"/>
+                </a:solidFill>
+                <a:effectLst/>
+                <a:uLnTx/>
+                <a:uFillTx/>
+                <a:latin typeface="Calibri" panose="020F0502020204030204"/>
+                <a:ea typeface="+mn-ea"/>
+                <a:cs typeface="+mn-cs"/>
+              </a:rPr>
+              <a:t>References for the presentation </a:t>
+            </a:r>
+          </a:p>
+          <a:p>
+            <a:pPr marL="285750" marR="0" lvl="0" indent="-285750" algn="l" defTabSz="914400" rtl="0" eaLnBrk="1" fontAlgn="auto" latinLnBrk="0" hangingPunct="1">
+              <a:lnSpc>
+                <a:spcPct val="100000"/>
+              </a:lnSpc>
+              <a:spcBef>
+                <a:spcPts val="0"/>
+              </a:spcBef>
+              <a:spcAft>
+                <a:spcPts val="0"/>
+              </a:spcAft>
+              <a:buClrTx/>
+              <a:buSzTx/>
+              <a:buFont typeface="Arial" panose="020B0604020202020204" pitchFamily="34" charset="0"/>
+              <a:buChar char="•"/>
+              <a:tabLst/>
+              <a:defRPr/>
+            </a:pPr>
+            <a:r>
+              <a:rPr kumimoji="0" lang="en-US" sz="1600" b="0" i="0" u="none" strike="noStrike" kern="1200" cap="none" spc="0" normalizeH="0" baseline="0" noProof="0" dirty="0">
+                <a:ln>
+                  <a:noFill/>
+                </a:ln>
+                <a:solidFill>
+                  <a:prstClr val="black"/>
+                </a:solidFill>
+                <a:effectLst/>
+                <a:uLnTx/>
+                <a:uFillTx/>
+                <a:latin typeface="Calibri" panose="020F0502020204030204"/>
+                <a:ea typeface="+mn-ea"/>
+                <a:cs typeface="+mn-cs"/>
+              </a:rPr>
+              <a:t>	An Analysis of Asteroids Orbits overview: 		</a:t>
+            </a:r>
+            <a:r>
+              <a:rPr kumimoji="0" lang="en-US" sz="1600" b="0" i="0" u="none" strike="noStrike" kern="1200" cap="none" spc="0" normalizeH="0" baseline="0" noProof="0" dirty="0">
+                <a:ln>
+                  <a:noFill/>
+                </a:ln>
+                <a:solidFill>
+                  <a:prstClr val="black"/>
+                </a:solidFill>
+                <a:effectLst/>
+                <a:uLnTx/>
+                <a:uFillTx/>
+                <a:latin typeface="-apple-system"/>
+                <a:ea typeface="+mn-ea"/>
+                <a:cs typeface="+mn-cs"/>
+                <a:hlinkClick r:id="rId2" tooltip="README.md"/>
+              </a:rPr>
+              <a:t>README.md</a:t>
+            </a:r>
+            <a:endParaRPr kumimoji="0" lang="en-US" sz="1600" b="0" i="0" u="none" strike="noStrike" kern="1200" cap="none" spc="0" normalizeH="0" baseline="0" noProof="0" dirty="0">
+              <a:ln>
+                <a:noFill/>
+              </a:ln>
+              <a:solidFill>
+                <a:prstClr val="black"/>
+              </a:solidFill>
+              <a:effectLst/>
+              <a:uLnTx/>
+              <a:uFillTx/>
+              <a:latin typeface="Calibri" panose="020F0502020204030204"/>
+              <a:ea typeface="+mn-ea"/>
+              <a:cs typeface="+mn-cs"/>
+            </a:endParaRPr>
+          </a:p>
+          <a:p>
+            <a:pPr marL="285750" marR="0" lvl="0" indent="-285750" algn="l" defTabSz="914400" rtl="0" eaLnBrk="1" fontAlgn="auto" latinLnBrk="0" hangingPunct="1">
+              <a:lnSpc>
+                <a:spcPct val="100000"/>
+              </a:lnSpc>
+              <a:spcBef>
+                <a:spcPts val="0"/>
+              </a:spcBef>
+              <a:spcAft>
+                <a:spcPts val="0"/>
+              </a:spcAft>
+              <a:buClrTx/>
+              <a:buSzTx/>
+              <a:buFont typeface="Arial" panose="020B0604020202020204" pitchFamily="34" charset="0"/>
+              <a:buChar char="•"/>
+              <a:tabLst/>
+              <a:defRPr/>
+            </a:pPr>
+            <a:r>
+              <a:rPr kumimoji="0" lang="en-US" sz="1600" b="0" i="0" u="none" strike="noStrike" kern="1200" cap="none" spc="0" normalizeH="0" baseline="0" noProof="0" dirty="0">
+                <a:ln>
+                  <a:noFill/>
+                </a:ln>
+                <a:solidFill>
+                  <a:prstClr val="black"/>
+                </a:solidFill>
+                <a:effectLst/>
+                <a:uLnTx/>
+                <a:uFillTx/>
+                <a:latin typeface="Calibri" panose="020F0502020204030204"/>
+                <a:ea typeface="+mn-ea"/>
+                <a:cs typeface="+mn-cs"/>
+              </a:rPr>
+              <a:t>	Final Report 				</a:t>
+            </a:r>
+            <a:r>
+              <a:rPr kumimoji="0" lang="en-US" sz="1600" b="0" i="0" u="sng" strike="noStrike" kern="1200" cap="none" spc="0" normalizeH="0" baseline="0" noProof="0" dirty="0">
+                <a:ln>
+                  <a:noFill/>
+                </a:ln>
+                <a:solidFill>
+                  <a:srgbClr val="24292E"/>
+                </a:solidFill>
+                <a:effectLst/>
+                <a:uLnTx/>
+                <a:uFillTx/>
+                <a:latin typeface="-apple-system"/>
+                <a:ea typeface="+mn-ea"/>
+                <a:cs typeface="+mn-cs"/>
+                <a:hlinkClick r:id="rId3" tooltip="asteroid_analysisFinal.pptx"/>
+              </a:rPr>
+              <a:t>analysisFinal.pptx</a:t>
+            </a:r>
+            <a:endParaRPr kumimoji="0" lang="en-US" sz="1600" b="0" i="0" u="sng" strike="noStrike" kern="1200" cap="none" spc="0" normalizeH="0" baseline="0" noProof="0" dirty="0">
+              <a:ln>
+                <a:noFill/>
+              </a:ln>
+              <a:solidFill>
+                <a:srgbClr val="24292E"/>
+              </a:solidFill>
+              <a:effectLst/>
+              <a:uLnTx/>
+              <a:uFillTx/>
+              <a:latin typeface="-apple-system"/>
+              <a:ea typeface="+mn-ea"/>
+              <a:cs typeface="+mn-cs"/>
+            </a:endParaRPr>
+          </a:p>
+          <a:p>
+            <a:pPr marL="285750" marR="0" lvl="0" indent="-285750" algn="l" defTabSz="914400" rtl="0" eaLnBrk="1" fontAlgn="auto" latinLnBrk="0" hangingPunct="1">
+              <a:lnSpc>
+                <a:spcPct val="100000"/>
+              </a:lnSpc>
+              <a:spcBef>
+                <a:spcPts val="0"/>
+              </a:spcBef>
+              <a:spcAft>
+                <a:spcPts val="0"/>
+              </a:spcAft>
+              <a:buClrTx/>
+              <a:buSzTx/>
+              <a:buFont typeface="Arial" panose="020B0604020202020204" pitchFamily="34" charset="0"/>
+              <a:buChar char="•"/>
+              <a:tabLst/>
+              <a:defRPr/>
+            </a:pPr>
+            <a:r>
+              <a:rPr kumimoji="0" lang="en-US" sz="1600" b="0" i="0" u="none" strike="noStrike" kern="1200" cap="none" spc="0" normalizeH="0" baseline="0" noProof="0" dirty="0">
+                <a:ln>
+                  <a:noFill/>
+                </a:ln>
+                <a:solidFill>
+                  <a:prstClr val="black"/>
+                </a:solidFill>
+                <a:effectLst/>
+                <a:uLnTx/>
+                <a:uFillTx/>
+                <a:latin typeface="Calibri" panose="020F0502020204030204"/>
+                <a:ea typeface="+mn-ea"/>
+                <a:cs typeface="+mn-cs"/>
+              </a:rPr>
+              <a:t>	GitHub  Parent Repository 			</a:t>
+            </a:r>
+            <a:r>
+              <a:rPr kumimoji="0" lang="en-US" sz="1600" b="0" i="0" u="none" strike="noStrike" kern="1200" cap="none" spc="0" normalizeH="0" baseline="0" noProof="0" dirty="0">
+                <a:ln>
+                  <a:noFill/>
+                </a:ln>
+                <a:solidFill>
+                  <a:prstClr val="black"/>
+                </a:solidFill>
+                <a:effectLst/>
+                <a:uLnTx/>
+                <a:uFillTx/>
+                <a:latin typeface="Calibri" panose="020F0502020204030204"/>
+                <a:ea typeface="+mn-ea"/>
+                <a:cs typeface="+mn-cs"/>
+                <a:hlinkClick r:id="rId4"/>
+              </a:rPr>
+              <a:t>Link</a:t>
+            </a:r>
+            <a:endParaRPr kumimoji="0" lang="en-US" sz="1600" b="0" i="0" u="none" strike="noStrike" kern="1200" cap="none" spc="0" normalizeH="0" baseline="0" noProof="0" dirty="0">
+              <a:ln>
+                <a:noFill/>
+              </a:ln>
+              <a:solidFill>
+                <a:prstClr val="black"/>
+              </a:solidFill>
+              <a:effectLst/>
+              <a:uLnTx/>
+              <a:uFillTx/>
+              <a:latin typeface="Calibri" panose="020F0502020204030204"/>
+              <a:ea typeface="+mn-ea"/>
+              <a:cs typeface="+mn-cs"/>
+            </a:endParaRPr>
+          </a:p>
+          <a:p>
+            <a:pPr marL="285750" marR="0" lvl="0" indent="-285750" algn="l" defTabSz="914400" rtl="0" eaLnBrk="1" fontAlgn="auto" latinLnBrk="0" hangingPunct="1">
+              <a:lnSpc>
+                <a:spcPct val="100000"/>
+              </a:lnSpc>
+              <a:spcBef>
+                <a:spcPts val="0"/>
+              </a:spcBef>
+              <a:spcAft>
+                <a:spcPts val="0"/>
+              </a:spcAft>
+              <a:buClrTx/>
+              <a:buSzTx/>
+              <a:buFont typeface="Arial" panose="020B0604020202020204" pitchFamily="34" charset="0"/>
+              <a:buChar char="•"/>
+              <a:tabLst/>
+              <a:defRPr/>
+            </a:pPr>
+            <a:r>
+              <a:rPr kumimoji="0" lang="en-US" sz="1600" b="0" i="0" u="none" strike="noStrike" kern="1200" cap="none" spc="0" normalizeH="0" baseline="0" noProof="0" dirty="0">
+                <a:ln>
+                  <a:noFill/>
+                </a:ln>
+                <a:solidFill>
+                  <a:srgbClr val="24292E"/>
+                </a:solidFill>
+                <a:effectLst/>
+                <a:uLnTx/>
+                <a:uFillTx/>
+                <a:latin typeface="-apple-system"/>
+                <a:ea typeface="+mn-ea"/>
+                <a:cs typeface="+mn-cs"/>
+              </a:rPr>
+              <a:t>	NASA API					</a:t>
+            </a:r>
+            <a:r>
+              <a:rPr kumimoji="0" lang="en-US" sz="1600" b="0" i="0" u="none" strike="noStrike" kern="1200" cap="none" spc="0" normalizeH="0" baseline="0" noProof="0" dirty="0">
+                <a:ln>
+                  <a:noFill/>
+                </a:ln>
+                <a:solidFill>
+                  <a:srgbClr val="24292E"/>
+                </a:solidFill>
+                <a:effectLst/>
+                <a:uLnTx/>
+                <a:uFillTx/>
+                <a:latin typeface="-apple-system"/>
+                <a:ea typeface="+mn-ea"/>
+                <a:cs typeface="+mn-cs"/>
+                <a:hlinkClick r:id="rId5"/>
+              </a:rPr>
+              <a:t>Link</a:t>
+            </a:r>
+            <a:endParaRPr kumimoji="0" lang="en-US" sz="1600" b="0" i="0" u="none" strike="noStrike" kern="1200" cap="none" spc="0" normalizeH="0" baseline="0" noProof="0" dirty="0">
+              <a:ln>
+                <a:noFill/>
+              </a:ln>
+              <a:solidFill>
+                <a:srgbClr val="24292E"/>
+              </a:solidFill>
+              <a:effectLst/>
+              <a:uLnTx/>
+              <a:uFillTx/>
+              <a:latin typeface="-apple-system"/>
+              <a:ea typeface="+mn-ea"/>
+              <a:cs typeface="+mn-cs"/>
+            </a:endParaRPr>
+          </a:p>
+          <a:p>
+            <a:pPr marL="285750" marR="0" lvl="0" indent="-285750" algn="l" defTabSz="914400" rtl="0" eaLnBrk="1" fontAlgn="auto" latinLnBrk="0" hangingPunct="1">
+              <a:lnSpc>
+                <a:spcPct val="100000"/>
+              </a:lnSpc>
+              <a:spcBef>
+                <a:spcPts val="0"/>
+              </a:spcBef>
+              <a:spcAft>
+                <a:spcPts val="0"/>
+              </a:spcAft>
+              <a:buClrTx/>
+              <a:buSzTx/>
+              <a:buFont typeface="Arial" panose="020B0604020202020204" pitchFamily="34" charset="0"/>
+              <a:buChar char="•"/>
+              <a:tabLst/>
+              <a:defRPr/>
+            </a:pPr>
+            <a:r>
+              <a:rPr kumimoji="0" lang="en-US" sz="1600" b="0" i="0" u="none" strike="noStrike" kern="1200" cap="none" spc="0" normalizeH="0" baseline="0" noProof="0" dirty="0">
+                <a:ln>
+                  <a:noFill/>
+                </a:ln>
+                <a:solidFill>
+                  <a:srgbClr val="24292E"/>
+                </a:solidFill>
+                <a:effectLst/>
+                <a:uLnTx/>
+                <a:uFillTx/>
+                <a:latin typeface="-apple-system"/>
+                <a:ea typeface="+mn-ea"/>
+                <a:cs typeface="+mn-cs"/>
+              </a:rPr>
+              <a:t>	Asterrank					</a:t>
+            </a:r>
+            <a:r>
+              <a:rPr kumimoji="0" lang="en-US" sz="1600" b="0" i="0" u="none" strike="noStrike" kern="1200" cap="none" spc="0" normalizeH="0" baseline="0" noProof="0" dirty="0">
+                <a:ln>
+                  <a:noFill/>
+                </a:ln>
+                <a:solidFill>
+                  <a:srgbClr val="24292E"/>
+                </a:solidFill>
+                <a:effectLst/>
+                <a:uLnTx/>
+                <a:uFillTx/>
+                <a:latin typeface="-apple-system"/>
+                <a:ea typeface="+mn-ea"/>
+                <a:cs typeface="+mn-cs"/>
+                <a:hlinkClick r:id="rId6"/>
+              </a:rPr>
+              <a:t>Link</a:t>
+            </a:r>
+            <a:endParaRPr kumimoji="0" lang="en-US" sz="1600" b="0" i="0" u="none" strike="noStrike" kern="1200" cap="none" spc="0" normalizeH="0" baseline="0" noProof="0" dirty="0">
+              <a:ln>
+                <a:noFill/>
+              </a:ln>
+              <a:solidFill>
+                <a:srgbClr val="24292E"/>
+              </a:solidFill>
+              <a:effectLst/>
+              <a:uLnTx/>
+              <a:uFillTx/>
+              <a:latin typeface="-apple-system"/>
+              <a:ea typeface="+mn-ea"/>
+              <a:cs typeface="+mn-cs"/>
+            </a:endParaRPr>
+          </a:p>
+          <a:p>
+            <a:pPr marL="0" marR="0" lvl="0" indent="0" algn="l" defTabSz="914400" rtl="0" eaLnBrk="1" fontAlgn="auto" latinLnBrk="0" hangingPunct="1">
+              <a:lnSpc>
+                <a:spcPct val="100000"/>
+              </a:lnSpc>
+              <a:spcBef>
+                <a:spcPts val="0"/>
+              </a:spcBef>
+              <a:spcAft>
+                <a:spcPts val="0"/>
+              </a:spcAft>
+              <a:buClrTx/>
+              <a:buSzTx/>
+              <a:buFontTx/>
+              <a:buNone/>
+              <a:tabLst/>
+              <a:defRPr/>
+            </a:pPr>
+            <a:endParaRPr kumimoji="0" lang="en-US" sz="1600" b="0" i="0" u="none" strike="noStrike" kern="1200" cap="none" spc="0" normalizeH="0" baseline="0" noProof="0" dirty="0">
+              <a:ln>
+                <a:noFill/>
+              </a:ln>
+              <a:solidFill>
+                <a:srgbClr val="24292E"/>
+              </a:solidFill>
+              <a:effectLst/>
+              <a:uLnTx/>
+              <a:uFillTx/>
+              <a:latin typeface="-apple-system"/>
+              <a:ea typeface="+mn-ea"/>
+              <a:cs typeface="+mn-cs"/>
+            </a:endParaRPr>
+          </a:p>
+          <a:p>
+            <a:pPr marL="0" marR="0" lvl="0" indent="0" algn="l" defTabSz="914400" rtl="0" eaLnBrk="1" fontAlgn="auto" latinLnBrk="0" hangingPunct="1">
+              <a:lnSpc>
+                <a:spcPct val="100000"/>
+              </a:lnSpc>
+              <a:spcBef>
+                <a:spcPts val="0"/>
+              </a:spcBef>
+              <a:spcAft>
+                <a:spcPts val="0"/>
+              </a:spcAft>
+              <a:buClrTx/>
+              <a:buSzTx/>
+              <a:buFontTx/>
+              <a:buNone/>
+              <a:tabLst/>
+              <a:defRPr/>
+            </a:pPr>
+            <a:r>
+              <a:rPr kumimoji="0" lang="en-US" sz="1600" b="1" i="0" u="none" strike="noStrike" kern="1200" cap="none" spc="0" normalizeH="0" baseline="0" noProof="0" dirty="0">
+                <a:ln>
+                  <a:noFill/>
+                </a:ln>
+                <a:solidFill>
+                  <a:srgbClr val="24292E"/>
+                </a:solidFill>
+                <a:effectLst/>
+                <a:uLnTx/>
+                <a:uFillTx/>
+                <a:latin typeface="-apple-system"/>
+                <a:ea typeface="+mn-ea"/>
+                <a:cs typeface="+mn-cs"/>
+              </a:rPr>
+              <a:t>Do rare earth elements exist in significant quantities on asteroids near earth?     </a:t>
+            </a:r>
+            <a:endParaRPr kumimoji="0" lang="en-US" sz="1600" b="1" i="0" u="none" strike="noStrike" kern="1200" cap="none" spc="0" normalizeH="0" baseline="0" noProof="0" dirty="0">
+              <a:ln>
+                <a:noFill/>
+              </a:ln>
+              <a:solidFill>
+                <a:prstClr val="black"/>
+              </a:solidFill>
+              <a:effectLst/>
+              <a:uLnTx/>
+              <a:uFillTx/>
+              <a:latin typeface="Calibri" panose="020F0502020204030204"/>
+              <a:ea typeface="+mn-ea"/>
+              <a:cs typeface="+mn-cs"/>
+            </a:endParaRPr>
+          </a:p>
+          <a:p>
+            <a:pPr marL="285750" marR="0" lvl="0" indent="-285750" algn="l" defTabSz="914400" rtl="0" eaLnBrk="1" fontAlgn="auto" latinLnBrk="0" hangingPunct="1">
+              <a:lnSpc>
+                <a:spcPct val="100000"/>
+              </a:lnSpc>
+              <a:spcBef>
+                <a:spcPts val="0"/>
+              </a:spcBef>
+              <a:spcAft>
+                <a:spcPts val="0"/>
+              </a:spcAft>
+              <a:buClrTx/>
+              <a:buSzTx/>
+              <a:buFont typeface="Arial" panose="020B0604020202020204" pitchFamily="34" charset="0"/>
+              <a:buChar char="•"/>
+              <a:tabLst/>
+              <a:defRPr/>
+            </a:pPr>
+            <a:r>
+              <a:rPr kumimoji="0" lang="en-US" sz="1600" b="0" i="0" u="none" strike="noStrike" kern="1200" cap="none" spc="0" normalizeH="0" baseline="0" noProof="0" dirty="0">
+                <a:ln>
+                  <a:noFill/>
+                </a:ln>
+                <a:solidFill>
+                  <a:prstClr val="black"/>
+                </a:solidFill>
+                <a:effectLst/>
+                <a:uLnTx/>
+                <a:uFillTx/>
+                <a:latin typeface="Calibri" panose="020F0502020204030204"/>
+                <a:ea typeface="+mn-ea"/>
+                <a:cs typeface="+mn-cs"/>
+              </a:rPr>
+              <a:t>	Jupyter lab Notebook 				</a:t>
+            </a:r>
+            <a:r>
+              <a:rPr kumimoji="0" lang="en-US" sz="1600" b="0" i="0" u="sng" strike="noStrike" kern="1200" cap="none" spc="0" normalizeH="0" baseline="0" noProof="0" dirty="0">
+                <a:ln>
+                  <a:noFill/>
+                </a:ln>
+                <a:solidFill>
+                  <a:prstClr val="black"/>
+                </a:solidFill>
+                <a:effectLst/>
+                <a:uLnTx/>
+                <a:uFillTx/>
+                <a:latin typeface="-apple-system"/>
+                <a:ea typeface="+mn-ea"/>
+                <a:cs typeface="+mn-cs"/>
+                <a:hlinkClick r:id="rId7" tooltip="asteroid4.ipynb"/>
+              </a:rPr>
+              <a:t>asteroid4.ipynb</a:t>
+            </a:r>
+            <a:r>
+              <a:rPr kumimoji="0" lang="en-US" sz="1600" b="0" i="0" u="none" strike="noStrike" kern="1200" cap="none" spc="0" normalizeH="0" baseline="0" noProof="0" dirty="0">
+                <a:ln>
+                  <a:noFill/>
+                </a:ln>
+                <a:solidFill>
+                  <a:prstClr val="black"/>
+                </a:solidFill>
+                <a:effectLst/>
+                <a:uLnTx/>
+                <a:uFillTx/>
+                <a:latin typeface="Calibri" panose="020F0502020204030204"/>
+                <a:ea typeface="+mn-ea"/>
+                <a:cs typeface="+mn-cs"/>
+              </a:rPr>
+              <a:t>	</a:t>
+            </a:r>
+          </a:p>
+          <a:p>
+            <a:pPr marL="285750" marR="0" lvl="0" indent="-285750" algn="l" defTabSz="914400" rtl="0" eaLnBrk="1" fontAlgn="auto" latinLnBrk="0" hangingPunct="1">
+              <a:lnSpc>
+                <a:spcPct val="100000"/>
+              </a:lnSpc>
+              <a:spcBef>
+                <a:spcPts val="0"/>
+              </a:spcBef>
+              <a:spcAft>
+                <a:spcPts val="0"/>
+              </a:spcAft>
+              <a:buClrTx/>
+              <a:buSzTx/>
+              <a:buFont typeface="Arial" panose="020B0604020202020204" pitchFamily="34" charset="0"/>
+              <a:buChar char="•"/>
+              <a:tabLst/>
+              <a:defRPr/>
+            </a:pPr>
+            <a:r>
+              <a:rPr kumimoji="0" lang="en-US" sz="1600" b="0" i="0" u="none" strike="noStrike" kern="1200" cap="none" spc="0" normalizeH="0" baseline="0" noProof="0" dirty="0">
+                <a:ln>
+                  <a:noFill/>
+                </a:ln>
+                <a:solidFill>
+                  <a:prstClr val="black"/>
+                </a:solidFill>
+                <a:effectLst/>
+                <a:uLnTx/>
+                <a:uFillTx/>
+                <a:latin typeface="Calibri" panose="020F0502020204030204"/>
+                <a:ea typeface="+mn-ea"/>
+                <a:cs typeface="+mn-cs"/>
+              </a:rPr>
+              <a:t>	GitHub Parent folder Link 			</a:t>
+            </a:r>
+            <a:r>
+              <a:rPr kumimoji="0" lang="en-US" sz="1600" b="0" i="0" u="none" strike="noStrike" kern="1200" cap="none" spc="0" normalizeH="0" baseline="0" noProof="0" dirty="0">
+                <a:ln>
+                  <a:noFill/>
+                </a:ln>
+                <a:solidFill>
+                  <a:prstClr val="black"/>
+                </a:solidFill>
+                <a:effectLst/>
+                <a:uLnTx/>
+                <a:uFillTx/>
+                <a:latin typeface="Calibri" panose="020F0502020204030204"/>
+                <a:ea typeface="+mn-ea"/>
+                <a:cs typeface="+mn-cs"/>
+                <a:hlinkClick r:id="rId8"/>
+              </a:rPr>
+              <a:t>Link</a:t>
+            </a:r>
+            <a:endParaRPr kumimoji="0" lang="en-US" sz="1600" b="0" i="0" u="none" strike="noStrike" kern="1200" cap="none" spc="0" normalizeH="0" baseline="0" noProof="0" dirty="0">
+              <a:ln>
+                <a:noFill/>
+              </a:ln>
+              <a:solidFill>
+                <a:prstClr val="black"/>
+              </a:solidFill>
+              <a:effectLst/>
+              <a:uLnTx/>
+              <a:uFillTx/>
+              <a:latin typeface="-apple-system"/>
+              <a:ea typeface="+mn-ea"/>
+              <a:cs typeface="+mn-cs"/>
+            </a:endParaRPr>
+          </a:p>
+          <a:p>
+            <a:pPr marL="285750" marR="0" lvl="0" indent="-285750" algn="l" defTabSz="914400" rtl="0" eaLnBrk="1" fontAlgn="auto" latinLnBrk="0" hangingPunct="1">
+              <a:lnSpc>
+                <a:spcPct val="100000"/>
+              </a:lnSpc>
+              <a:spcBef>
+                <a:spcPts val="0"/>
+              </a:spcBef>
+              <a:spcAft>
+                <a:spcPts val="0"/>
+              </a:spcAft>
+              <a:buClrTx/>
+              <a:buSzTx/>
+              <a:buFont typeface="Arial" panose="020B0604020202020204" pitchFamily="34" charset="0"/>
+              <a:buChar char="•"/>
+              <a:tabLst/>
+              <a:defRPr/>
+            </a:pPr>
+            <a:r>
+              <a:rPr kumimoji="0" lang="en-US" sz="1600" b="0" i="0" u="none" strike="noStrike" kern="1200" cap="none" spc="0" normalizeH="0" baseline="0" noProof="0" dirty="0">
+                <a:ln>
+                  <a:noFill/>
+                </a:ln>
+                <a:solidFill>
+                  <a:prstClr val="black"/>
+                </a:solidFill>
+                <a:effectLst/>
+                <a:uLnTx/>
+                <a:uFillTx/>
+                <a:latin typeface="Calibri" panose="020F0502020204030204"/>
+                <a:ea typeface="+mn-ea"/>
+                <a:cs typeface="+mn-cs"/>
+              </a:rPr>
+              <a:t>	Density of asteroids  				</a:t>
+            </a:r>
+            <a:r>
+              <a:rPr kumimoji="0" lang="en-US" sz="1600" b="0" i="0" u="none" strike="noStrike" kern="1200" cap="none" spc="0" normalizeH="0" baseline="0" noProof="0" dirty="0">
+                <a:ln>
+                  <a:noFill/>
+                </a:ln>
+                <a:solidFill>
+                  <a:srgbClr val="4073DD"/>
+                </a:solidFill>
+                <a:effectLst/>
+                <a:uLnTx/>
+                <a:uFillTx/>
+                <a:latin typeface="Calibri" panose="020F0502020204030204"/>
+                <a:ea typeface="+mn-ea"/>
+                <a:cs typeface="+mn-cs"/>
+                <a:hlinkClick r:id="rId9"/>
+              </a:rPr>
+              <a:t>10.1016/j.pss.2012.03.009</a:t>
+            </a:r>
+            <a:r>
+              <a:rPr kumimoji="0" lang="en-US" sz="1600" b="0" i="0" u="none" strike="noStrike" kern="1200" cap="none" spc="0" normalizeH="0" baseline="0" noProof="0" dirty="0">
+                <a:ln>
+                  <a:noFill/>
+                </a:ln>
+                <a:solidFill>
+                  <a:srgbClr val="5D5D5D"/>
+                </a:solidFill>
+                <a:effectLst/>
+                <a:uLnTx/>
+                <a:uFillTx/>
+                <a:latin typeface="Calibri" panose="020F0502020204030204"/>
+                <a:ea typeface="+mn-ea"/>
+                <a:cs typeface="+mn-cs"/>
+              </a:rPr>
+              <a:t> </a:t>
+            </a:r>
+          </a:p>
+          <a:p>
+            <a:pPr marL="285750" marR="0" lvl="0" indent="-285750" algn="l" defTabSz="914400" rtl="0" eaLnBrk="1" fontAlgn="auto" latinLnBrk="0" hangingPunct="1">
+              <a:lnSpc>
+                <a:spcPct val="100000"/>
+              </a:lnSpc>
+              <a:spcBef>
+                <a:spcPts val="0"/>
+              </a:spcBef>
+              <a:spcAft>
+                <a:spcPts val="0"/>
+              </a:spcAft>
+              <a:buClrTx/>
+              <a:buSzTx/>
+              <a:buFont typeface="Arial" panose="020B0604020202020204" pitchFamily="34" charset="0"/>
+              <a:buChar char="•"/>
+              <a:tabLst/>
+              <a:defRPr/>
+            </a:pPr>
+            <a:r>
+              <a:rPr kumimoji="0" lang="en-US" sz="1600" b="0" i="0" u="none" strike="noStrike" kern="1200" cap="none" spc="0" normalizeH="0" baseline="0" noProof="0" dirty="0">
+                <a:ln>
+                  <a:noFill/>
+                </a:ln>
+                <a:solidFill>
+                  <a:srgbClr val="5D5D5D"/>
+                </a:solidFill>
+                <a:effectLst/>
+                <a:uLnTx/>
+                <a:uFillTx/>
+                <a:latin typeface="Helvetica Neue"/>
+                <a:ea typeface="+mn-ea"/>
+                <a:cs typeface="+mn-cs"/>
+              </a:rPr>
+              <a:t>	</a:t>
+            </a:r>
+            <a:r>
+              <a:rPr kumimoji="0" lang="en-US" sz="1600" b="0" i="0" u="none" strike="noStrike" kern="1200" cap="none" spc="0" normalizeH="0" baseline="0" noProof="0" dirty="0">
+                <a:ln>
+                  <a:noFill/>
+                </a:ln>
+                <a:solidFill>
+                  <a:prstClr val="black"/>
+                </a:solidFill>
+                <a:effectLst/>
+                <a:uLnTx/>
+                <a:uFillTx/>
+                <a:latin typeface="Calibri" panose="020F0502020204030204"/>
+                <a:ea typeface="+mn-ea"/>
+                <a:cs typeface="+mn-cs"/>
+              </a:rPr>
+              <a:t>Review					</a:t>
+            </a:r>
+            <a:r>
+              <a:rPr kumimoji="0" lang="en-US" sz="1600" b="0" i="0" u="none" strike="noStrike" kern="1200" cap="none" spc="0" normalizeH="0" baseline="0" noProof="0" dirty="0">
+                <a:ln>
+                  <a:noFill/>
+                </a:ln>
+                <a:solidFill>
+                  <a:prstClr val="black"/>
+                </a:solidFill>
+                <a:effectLst/>
+                <a:uLnTx/>
+                <a:uFillTx/>
+                <a:latin typeface="Calibri" panose="020F0502020204030204"/>
+                <a:ea typeface="+mn-ea"/>
+                <a:cs typeface="+mn-cs"/>
+                <a:hlinkClick r:id="rId10"/>
+              </a:rPr>
+              <a:t>Review</a:t>
+            </a:r>
+            <a:endParaRPr kumimoji="0" lang="en-US" sz="1600" b="0" i="0" u="none" strike="noStrike" kern="1200" cap="none" spc="0" normalizeH="0" baseline="0" noProof="0" dirty="0">
+              <a:ln>
+                <a:noFill/>
+              </a:ln>
+              <a:solidFill>
+                <a:srgbClr val="5D5D5D"/>
+              </a:solidFill>
+              <a:effectLst/>
+              <a:uLnTx/>
+              <a:uFillTx/>
+              <a:latin typeface="Calibri" panose="020F0502020204030204"/>
+              <a:ea typeface="+mn-ea"/>
+              <a:cs typeface="+mn-cs"/>
+            </a:endParaRPr>
+          </a:p>
+          <a:p>
+            <a:pPr marL="0" marR="0" lvl="0" indent="0" algn="l" defTabSz="914400" rtl="0" eaLnBrk="1" fontAlgn="auto" latinLnBrk="0" hangingPunct="1">
+              <a:lnSpc>
+                <a:spcPct val="100000"/>
+              </a:lnSpc>
+              <a:spcBef>
+                <a:spcPts val="0"/>
+              </a:spcBef>
+              <a:spcAft>
+                <a:spcPts val="0"/>
+              </a:spcAft>
+              <a:buClrTx/>
+              <a:buSzTx/>
+              <a:buFontTx/>
+              <a:buNone/>
+              <a:tabLst/>
+              <a:defRPr/>
+            </a:pPr>
+            <a:r>
+              <a:rPr kumimoji="0" lang="en-US" sz="1600" b="0" i="0" u="none" strike="noStrike" kern="1200" cap="none" spc="0" normalizeH="0" baseline="0" noProof="0" dirty="0">
+                <a:ln>
+                  <a:noFill/>
+                </a:ln>
+                <a:solidFill>
+                  <a:prstClr val="black"/>
+                </a:solidFill>
+                <a:effectLst/>
+                <a:uLnTx/>
+                <a:uFillTx/>
+                <a:latin typeface="Calibri" panose="020F0502020204030204"/>
+                <a:ea typeface="+mn-ea"/>
+                <a:cs typeface="+mn-cs"/>
+              </a:rPr>
+              <a:t>	</a:t>
+            </a:r>
+          </a:p>
+          <a:p>
+            <a:pPr marL="0" marR="0" lvl="0" indent="0" algn="l" defTabSz="914400" rtl="0" eaLnBrk="1" fontAlgn="auto" latinLnBrk="0" hangingPunct="1">
+              <a:lnSpc>
+                <a:spcPct val="100000"/>
+              </a:lnSpc>
+              <a:spcBef>
+                <a:spcPts val="0"/>
+              </a:spcBef>
+              <a:spcAft>
+                <a:spcPts val="0"/>
+              </a:spcAft>
+              <a:buClrTx/>
+              <a:buSzTx/>
+              <a:buFontTx/>
+              <a:buNone/>
+              <a:tabLst/>
+              <a:defRPr/>
+            </a:pPr>
+            <a:r>
+              <a:rPr kumimoji="0" lang="en-US" sz="1600" b="1" i="0" u="none" strike="noStrike" kern="1200" cap="none" spc="0" normalizeH="0" baseline="0" noProof="0" dirty="0">
+                <a:ln>
+                  <a:noFill/>
+                </a:ln>
+                <a:solidFill>
+                  <a:srgbClr val="24292E"/>
+                </a:solidFill>
+                <a:effectLst/>
+                <a:uLnTx/>
+                <a:uFillTx/>
+                <a:latin typeface="-apple-system"/>
+                <a:ea typeface="+mn-ea"/>
+                <a:cs typeface="+mn-cs"/>
+              </a:rPr>
+              <a:t>Are more asteroids posing an impact threat to Earth today than they did 15 years ago?</a:t>
+            </a:r>
+          </a:p>
+          <a:p>
+            <a:pPr marL="285750" marR="0" lvl="0" indent="-285750" algn="l" defTabSz="914400" rtl="0" eaLnBrk="1" fontAlgn="auto" latinLnBrk="0" hangingPunct="1">
+              <a:lnSpc>
+                <a:spcPct val="100000"/>
+              </a:lnSpc>
+              <a:spcBef>
+                <a:spcPts val="0"/>
+              </a:spcBef>
+              <a:spcAft>
+                <a:spcPts val="0"/>
+              </a:spcAft>
+              <a:buClrTx/>
+              <a:buSzTx/>
+              <a:buFont typeface="Arial" panose="020B0604020202020204" pitchFamily="34" charset="0"/>
+              <a:buChar char="•"/>
+              <a:tabLst/>
+              <a:defRPr/>
+            </a:pPr>
+            <a:r>
+              <a:rPr kumimoji="0" lang="en-US" sz="1600" b="0" i="0" u="none" strike="noStrike" kern="1200" cap="none" spc="0" normalizeH="0" baseline="0" noProof="0" dirty="0">
+                <a:ln>
+                  <a:noFill/>
+                </a:ln>
+                <a:solidFill>
+                  <a:srgbClr val="24292E"/>
+                </a:solidFill>
+                <a:effectLst/>
+                <a:uLnTx/>
+                <a:uFillTx/>
+                <a:latin typeface="-apple-system"/>
+                <a:ea typeface="+mn-ea"/>
+                <a:cs typeface="+mn-cs"/>
+              </a:rPr>
+              <a:t>	</a:t>
+            </a:r>
+            <a:r>
+              <a:rPr kumimoji="0" lang="en-US" sz="1600" b="0" i="0" u="none" strike="noStrike" kern="1200" cap="none" spc="0" normalizeH="0" baseline="0" noProof="0" dirty="0">
+                <a:ln>
+                  <a:noFill/>
+                </a:ln>
+                <a:solidFill>
+                  <a:prstClr val="black"/>
+                </a:solidFill>
+                <a:effectLst/>
+                <a:uLnTx/>
+                <a:uFillTx/>
+                <a:latin typeface="Calibri" panose="020F0502020204030204"/>
+                <a:ea typeface="+mn-ea"/>
+                <a:cs typeface="+mn-cs"/>
+              </a:rPr>
+              <a:t> Jupyter lab Notebook</a:t>
+            </a:r>
+          </a:p>
+          <a:p>
+            <a:pPr marL="285750" marR="0" lvl="0" indent="-285750" algn="l" defTabSz="914400" rtl="0" eaLnBrk="1" fontAlgn="auto" latinLnBrk="0" hangingPunct="1">
+              <a:lnSpc>
+                <a:spcPct val="100000"/>
+              </a:lnSpc>
+              <a:spcBef>
+                <a:spcPts val="0"/>
+              </a:spcBef>
+              <a:spcAft>
+                <a:spcPts val="0"/>
+              </a:spcAft>
+              <a:buClrTx/>
+              <a:buSzTx/>
+              <a:buFont typeface="Arial" panose="020B0604020202020204" pitchFamily="34" charset="0"/>
+              <a:buChar char="•"/>
+              <a:tabLst/>
+              <a:defRPr/>
+            </a:pPr>
+            <a:r>
+              <a:rPr kumimoji="0" lang="en-US" sz="1600" b="0" i="0" u="none" strike="noStrike" kern="1200" cap="none" spc="0" normalizeH="0" baseline="0" noProof="0" dirty="0">
+                <a:ln>
+                  <a:noFill/>
+                </a:ln>
+                <a:solidFill>
+                  <a:prstClr val="black"/>
+                </a:solidFill>
+                <a:effectLst/>
+                <a:uLnTx/>
+                <a:uFillTx/>
+                <a:latin typeface="Calibri" panose="020F0502020204030204"/>
+                <a:ea typeface="+mn-ea"/>
+                <a:cs typeface="+mn-cs"/>
+              </a:rPr>
+              <a:t>	 Parent Repository 				</a:t>
+            </a:r>
+            <a:r>
+              <a:rPr kumimoji="0" lang="en-US" sz="1600" b="0" i="0" u="none" strike="noStrike" kern="1200" cap="none" spc="0" normalizeH="0" baseline="0" noProof="0" dirty="0">
+                <a:ln>
+                  <a:noFill/>
+                </a:ln>
+                <a:solidFill>
+                  <a:prstClr val="black"/>
+                </a:solidFill>
+                <a:effectLst/>
+                <a:uLnTx/>
+                <a:uFillTx/>
+                <a:latin typeface="Calibri" panose="020F0502020204030204"/>
+                <a:ea typeface="+mn-ea"/>
+                <a:cs typeface="+mn-cs"/>
+                <a:hlinkClick r:id="rId4"/>
+              </a:rPr>
+              <a:t>Link</a:t>
+            </a:r>
+            <a:endParaRPr kumimoji="0" lang="en-US" sz="1600" b="0" i="0" u="none" strike="noStrike" kern="1200" cap="none" spc="0" normalizeH="0" baseline="0" noProof="0" dirty="0">
+              <a:ln>
+                <a:noFill/>
+              </a:ln>
+              <a:solidFill>
+                <a:srgbClr val="24292E"/>
+              </a:solidFill>
+              <a:effectLst/>
+              <a:uLnTx/>
+              <a:uFillTx/>
+              <a:latin typeface="-apple-system"/>
+              <a:ea typeface="+mn-ea"/>
+              <a:cs typeface="+mn-cs"/>
+            </a:endParaRPr>
+          </a:p>
+          <a:p>
+            <a:pPr marL="0" marR="0" lvl="0" indent="0" algn="l" defTabSz="914400" rtl="0" eaLnBrk="1" fontAlgn="auto" latinLnBrk="0" hangingPunct="1">
+              <a:lnSpc>
+                <a:spcPct val="100000"/>
+              </a:lnSpc>
+              <a:spcBef>
+                <a:spcPts val="0"/>
+              </a:spcBef>
+              <a:spcAft>
+                <a:spcPts val="0"/>
+              </a:spcAft>
+              <a:buClrTx/>
+              <a:buSzTx/>
+              <a:buFontTx/>
+              <a:buNone/>
+              <a:tabLst/>
+              <a:defRPr/>
+            </a:pPr>
+            <a:endParaRPr kumimoji="0" lang="en-US" sz="1600" b="1" i="0" u="none" strike="noStrike" kern="1200" cap="none" spc="0" normalizeH="0" baseline="0" noProof="0" dirty="0">
+              <a:ln>
+                <a:noFill/>
+              </a:ln>
+              <a:solidFill>
+                <a:srgbClr val="24292E"/>
+              </a:solidFill>
+              <a:effectLst/>
+              <a:uLnTx/>
+              <a:uFillTx/>
+              <a:latin typeface="-apple-system"/>
+              <a:ea typeface="+mn-ea"/>
+              <a:cs typeface="+mn-cs"/>
+            </a:endParaRPr>
+          </a:p>
+          <a:p>
+            <a:pPr marL="0" marR="0" lvl="0" indent="0" algn="l" defTabSz="914400" rtl="0" eaLnBrk="1" fontAlgn="auto" latinLnBrk="0" hangingPunct="1">
+              <a:lnSpc>
+                <a:spcPct val="100000"/>
+              </a:lnSpc>
+              <a:spcBef>
+                <a:spcPts val="0"/>
+              </a:spcBef>
+              <a:spcAft>
+                <a:spcPts val="0"/>
+              </a:spcAft>
+              <a:buClrTx/>
+              <a:buSzTx/>
+              <a:buFontTx/>
+              <a:buNone/>
+              <a:tabLst/>
+              <a:defRPr/>
+            </a:pPr>
+            <a:r>
+              <a:rPr kumimoji="0" lang="en-US" sz="1600" b="1" i="0" u="none" strike="noStrike" kern="1200" cap="none" spc="0" normalizeH="0" baseline="0" noProof="0" dirty="0">
+                <a:ln>
+                  <a:noFill/>
+                </a:ln>
+                <a:solidFill>
+                  <a:srgbClr val="24292E"/>
+                </a:solidFill>
+                <a:effectLst/>
+                <a:uLnTx/>
+                <a:uFillTx/>
+                <a:latin typeface="-apple-system"/>
+                <a:ea typeface="+mn-ea"/>
+                <a:cs typeface="+mn-cs"/>
+              </a:rPr>
+              <a:t>Are inner planets receiving more close approaches on average in the recent decade they did in the last 5 decades?</a:t>
+            </a:r>
+            <a:endParaRPr kumimoji="0" lang="en-US" sz="1600" b="0" i="0" u="none" strike="noStrike" kern="1200" cap="none" spc="0" normalizeH="0" baseline="0" noProof="0" dirty="0">
+              <a:ln>
+                <a:noFill/>
+              </a:ln>
+              <a:solidFill>
+                <a:srgbClr val="24292E"/>
+              </a:solidFill>
+              <a:effectLst/>
+              <a:uLnTx/>
+              <a:uFillTx/>
+              <a:latin typeface="-apple-system"/>
+              <a:ea typeface="+mn-ea"/>
+              <a:cs typeface="+mn-cs"/>
+            </a:endParaRPr>
+          </a:p>
+          <a:p>
+            <a:pPr marL="285750" marR="0" lvl="0" indent="-285750" algn="l" defTabSz="914400" rtl="0" eaLnBrk="1" fontAlgn="auto" latinLnBrk="0" hangingPunct="1">
+              <a:lnSpc>
+                <a:spcPct val="100000"/>
+              </a:lnSpc>
+              <a:spcBef>
+                <a:spcPts val="0"/>
+              </a:spcBef>
+              <a:spcAft>
+                <a:spcPts val="0"/>
+              </a:spcAft>
+              <a:buClrTx/>
+              <a:buSzTx/>
+              <a:buFont typeface="Arial" panose="020B0604020202020204" pitchFamily="34" charset="0"/>
+              <a:buChar char="•"/>
+              <a:tabLst/>
+              <a:defRPr/>
+            </a:pPr>
+            <a:r>
+              <a:rPr kumimoji="0" lang="en-US" sz="1600" b="0" i="0" u="none" strike="noStrike" kern="1200" cap="none" spc="0" normalizeH="0" baseline="0" noProof="0" dirty="0">
+                <a:ln>
+                  <a:noFill/>
+                </a:ln>
+                <a:solidFill>
+                  <a:srgbClr val="24292E"/>
+                </a:solidFill>
+                <a:effectLst/>
+                <a:uLnTx/>
+                <a:uFillTx/>
+                <a:latin typeface="-apple-system"/>
+                <a:ea typeface="+mn-ea"/>
+                <a:cs typeface="+mn-cs"/>
+              </a:rPr>
+              <a:t>	</a:t>
+            </a:r>
+            <a:r>
+              <a:rPr kumimoji="0" lang="en-US" sz="1600" b="0" i="0" u="none" strike="noStrike" kern="1200" cap="none" spc="0" normalizeH="0" baseline="0" noProof="0" dirty="0">
+                <a:ln>
+                  <a:noFill/>
+                </a:ln>
+                <a:solidFill>
+                  <a:prstClr val="black"/>
+                </a:solidFill>
+                <a:effectLst/>
+                <a:uLnTx/>
+                <a:uFillTx/>
+                <a:latin typeface="Calibri" panose="020F0502020204030204"/>
+                <a:ea typeface="+mn-ea"/>
+                <a:cs typeface="+mn-cs"/>
+              </a:rPr>
+              <a:t>Jupyter lab Notebook 				</a:t>
+            </a:r>
+            <a:r>
+              <a:rPr kumimoji="0" lang="en-US" sz="1600" b="0" i="0" u="sng" strike="noStrike" kern="1200" cap="none" spc="0" normalizeH="0" baseline="0" noProof="0" dirty="0">
+                <a:ln>
+                  <a:noFill/>
+                </a:ln>
+                <a:solidFill>
+                  <a:prstClr val="black"/>
+                </a:solidFill>
+                <a:effectLst/>
+                <a:uLnTx/>
+                <a:uFillTx/>
+                <a:latin typeface="-apple-system"/>
+                <a:ea typeface="+mn-ea"/>
+                <a:cs typeface="+mn-cs"/>
+                <a:hlinkClick r:id="rId11" tooltip="GraphInfoBS25Oct2020.ipynb"/>
+              </a:rPr>
+              <a:t>GraphInfoBS25Oct2020.ipynb</a:t>
+            </a:r>
+            <a:endParaRPr kumimoji="0" lang="en-US" sz="1600" b="0" i="0" u="none" strike="noStrike" kern="1200" cap="none" spc="0" normalizeH="0" baseline="0" noProof="0" dirty="0">
+              <a:ln>
+                <a:noFill/>
+              </a:ln>
+              <a:solidFill>
+                <a:srgbClr val="24292E"/>
+              </a:solidFill>
+              <a:effectLst/>
+              <a:uLnTx/>
+              <a:uFillTx/>
+              <a:latin typeface="-apple-system"/>
+              <a:ea typeface="+mn-ea"/>
+              <a:cs typeface="+mn-cs"/>
+            </a:endParaRPr>
+          </a:p>
+          <a:p>
+            <a:pPr marL="285750" marR="0" lvl="0" indent="-285750" algn="l" defTabSz="914400" rtl="0" eaLnBrk="1" fontAlgn="auto" latinLnBrk="0" hangingPunct="1">
+              <a:lnSpc>
+                <a:spcPct val="100000"/>
+              </a:lnSpc>
+              <a:spcBef>
+                <a:spcPts val="0"/>
+              </a:spcBef>
+              <a:spcAft>
+                <a:spcPts val="0"/>
+              </a:spcAft>
+              <a:buClrTx/>
+              <a:buSzTx/>
+              <a:buFont typeface="Arial" panose="020B0604020202020204" pitchFamily="34" charset="0"/>
+              <a:buChar char="•"/>
+              <a:tabLst/>
+              <a:defRPr/>
+            </a:pPr>
+            <a:r>
+              <a:rPr kumimoji="0" lang="en-US" sz="1600" b="0" i="0" u="none" strike="noStrike" kern="1200" cap="none" spc="0" normalizeH="0" baseline="0" noProof="0" dirty="0">
+                <a:ln>
+                  <a:noFill/>
+                </a:ln>
+                <a:solidFill>
+                  <a:srgbClr val="24292E"/>
+                </a:solidFill>
+                <a:effectLst/>
+                <a:uLnTx/>
+                <a:uFillTx/>
+                <a:latin typeface="-apple-system"/>
+                <a:ea typeface="+mn-ea"/>
+                <a:cs typeface="+mn-cs"/>
+              </a:rPr>
+              <a:t>	GitHub  Parent Folder link		</a:t>
+            </a:r>
+            <a:r>
+              <a:rPr kumimoji="0" lang="en-US" sz="1600" b="0" i="0" u="none" strike="noStrike" kern="1200" cap="none" spc="0" normalizeH="0" baseline="0" noProof="0">
+                <a:ln>
+                  <a:noFill/>
+                </a:ln>
+                <a:solidFill>
+                  <a:srgbClr val="24292E"/>
+                </a:solidFill>
+                <a:effectLst/>
+                <a:uLnTx/>
+                <a:uFillTx/>
+                <a:latin typeface="-apple-system"/>
+                <a:ea typeface="+mn-ea"/>
+                <a:cs typeface="+mn-cs"/>
+              </a:rPr>
+              <a:t>	</a:t>
+            </a:r>
+            <a:r>
+              <a:rPr kumimoji="0" lang="en-US" sz="1600" b="0" i="0" u="sng" strike="noStrike" kern="1200" cap="none" spc="0" normalizeH="0" baseline="0" noProof="0">
+                <a:ln>
+                  <a:noFill/>
+                </a:ln>
+                <a:solidFill>
+                  <a:srgbClr val="24292E"/>
+                </a:solidFill>
+                <a:effectLst/>
+                <a:uLnTx/>
+                <a:uFillTx/>
+                <a:latin typeface="-apple-system"/>
+                <a:ea typeface="+mn-ea"/>
+                <a:cs typeface="+mn-cs"/>
+                <a:hlinkClick r:id="rId12" tooltip="AsteroidsAmongstPlanets25Oct2020BS"/>
+              </a:rPr>
+              <a:t>AsteroidsAmongstPlanets25Oct2020BS</a:t>
+            </a:r>
+            <a:endParaRPr kumimoji="0" lang="en-US" sz="1600" b="0" i="0" u="none" strike="noStrike" kern="1200" cap="none" spc="0" normalizeH="0" baseline="0" noProof="0" dirty="0">
+              <a:ln>
+                <a:noFill/>
+              </a:ln>
+              <a:solidFill>
+                <a:srgbClr val="24292E"/>
+              </a:solidFill>
+              <a:effectLst/>
+              <a:uLnTx/>
+              <a:uFillTx/>
+              <a:latin typeface="-apple-system"/>
+              <a:ea typeface="+mn-ea"/>
+              <a:cs typeface="+mn-cs"/>
+            </a:endParaRPr>
+          </a:p>
+          <a:p>
+            <a:pPr marL="0" marR="0" lvl="0" indent="0" algn="l" defTabSz="914400" rtl="0" eaLnBrk="1" fontAlgn="auto" latinLnBrk="0" hangingPunct="1">
+              <a:lnSpc>
+                <a:spcPct val="100000"/>
+              </a:lnSpc>
+              <a:spcBef>
+                <a:spcPts val="0"/>
+              </a:spcBef>
+              <a:spcAft>
+                <a:spcPts val="0"/>
+              </a:spcAft>
+              <a:buClrTx/>
+              <a:buSzTx/>
+              <a:buFontTx/>
+              <a:buNone/>
+              <a:tabLst/>
+              <a:defRPr/>
+            </a:pPr>
+            <a:br>
+              <a:rPr kumimoji="0" lang="en-US" sz="1800" b="0" i="0" u="none" strike="noStrike" kern="1200" cap="none" spc="0" normalizeH="0" baseline="0" noProof="0" dirty="0">
+                <a:ln>
+                  <a:noFill/>
+                </a:ln>
+                <a:solidFill>
+                  <a:prstClr val="black"/>
+                </a:solidFill>
+                <a:effectLst/>
+                <a:uLnTx/>
+                <a:uFillTx/>
+                <a:latin typeface="Calibri" panose="020F0502020204030204"/>
+                <a:ea typeface="+mn-ea"/>
+                <a:cs typeface="+mn-cs"/>
+              </a:rPr>
+            </a:br>
+            <a:endParaRPr kumimoji="0" lang="en-US" sz="1800" b="0" i="0" u="none" strike="noStrike" kern="1200" cap="none" spc="0" normalizeH="0" baseline="0" noProof="0" dirty="0">
+              <a:ln>
+                <a:noFill/>
+              </a:ln>
+              <a:solidFill>
+                <a:srgbClr val="24292E"/>
+              </a:solidFill>
+              <a:effectLst/>
+              <a:uLnTx/>
+              <a:uFillTx/>
+              <a:latin typeface="-apple-system"/>
+              <a:ea typeface="+mn-ea"/>
+              <a:cs typeface="+mn-cs"/>
+            </a:endParaRPr>
           </a:p>
         </p:txBody>
       </p:sp>
     </p:spTree>
     <p:extLst>
       <p:ext uri="{BB962C8B-B14F-4D97-AF65-F5344CB8AC3E}">
-        <p14:creationId xmlns:p14="http://schemas.microsoft.com/office/powerpoint/2010/main" val="1815479445"/>
+        <p14:creationId xmlns:p14="http://schemas.microsoft.com/office/powerpoint/2010/main" val="2330389577"/>
       </p:ext>
     </p:extLst>
   </p:cSld>

--- a/Platinum_asterois/HeavyMetal_PH.pptx
+++ b/Platinum_asterois/HeavyMetal_PH.pptx
@@ -4412,10 +4412,10 @@
       </p:sp>
       <p:pic>
         <p:nvPicPr>
-          <p:cNvPr id="3" name="Picture 2">
-            <a:extLst>
-              <a:ext uri="{FF2B5EF4-FFF2-40B4-BE49-F238E27FC236}">
-                <a16:creationId xmlns:a16="http://schemas.microsoft.com/office/drawing/2014/main" id="{ED86AE8D-4350-4DA6-A218-19EF509D77B1}"/>
+          <p:cNvPr id="6" name="Picture 5">
+            <a:extLst>
+              <a:ext uri="{FF2B5EF4-FFF2-40B4-BE49-F238E27FC236}">
+                <a16:creationId xmlns:a16="http://schemas.microsoft.com/office/drawing/2014/main" id="{D0907A0C-AF14-4E25-B86B-F192D765584A}"/>
               </a:ext>
             </a:extLst>
           </p:cNvPr>
@@ -4431,18 +4431,16 @@
                 <a14:imgProps xmlns:a14="http://schemas.microsoft.com/office/drawing/2010/main">
                   <a14:imgLayer r:embed="rId3">
                     <a14:imgEffect>
-                      <a14:backgroundRemoval t="6468" b="90879" l="9846" r="89768">
-                        <a14:foregroundMark x1="42857" y1="6468" x2="42857" y2="6468"/>
-                        <a14:foregroundMark x1="62355" y1="29685" x2="62355" y2="29685"/>
-                        <a14:foregroundMark x1="64672" y1="28524" x2="64672" y2="28524"/>
-                        <a14:foregroundMark x1="62741" y1="90879" x2="62741" y2="90879"/>
-                        <a14:foregroundMark x1="33205" y1="73798" x2="33205" y2="73798"/>
-                        <a14:foregroundMark x1="65251" y1="28027" x2="65251" y2="28027"/>
-                        <a14:backgroundMark x1="66988" y1="85572" x2="66988" y2="85572"/>
-                        <a14:backgroundMark x1="68340" y1="93035" x2="68340" y2="93035"/>
-                        <a14:backgroundMark x1="65637" y1="87562" x2="65637" y2="87562"/>
-                        <a14:backgroundMark x1="65251" y1="88391" x2="65251" y2="88391"/>
-                        <a14:backgroundMark x1="67761" y1="83250" x2="67761" y2="83250"/>
+                      <a14:backgroundRemoval t="1982" b="90811" l="9524" r="91369">
+                        <a14:foregroundMark x1="55357" y1="6306" x2="55357" y2="6306"/>
+                        <a14:foregroundMark x1="49405" y1="2342" x2="49405" y2="2342"/>
+                        <a14:foregroundMark x1="27381" y1="90811" x2="27381" y2="90811"/>
+                        <a14:foregroundMark x1="38393" y1="30991" x2="38393" y2="30991"/>
+                        <a14:foregroundMark x1="36310" y1="29730" x2="36310" y2="29730"/>
+                        <a14:foregroundMark x1="91369" y1="27928" x2="91369" y2="27928"/>
+                        <a14:foregroundMark x1="53869" y1="85045" x2="53869" y2="85045"/>
+                        <a14:foregroundMark x1="45238" y1="82883" x2="45238" y2="82883"/>
+                        <a14:backgroundMark x1="42560" y1="92432" x2="42560" y2="92432"/>
                       </a14:backgroundRemoval>
                     </a14:imgEffect>
                   </a14:imgLayer>
@@ -4456,8 +4454,8 @@
         </p:blipFill>
         <p:spPr>
           <a:xfrm>
-            <a:off x="9297241" y="1646874"/>
-            <a:ext cx="3044820" cy="3544453"/>
+            <a:off x="9398785" y="756143"/>
+            <a:ext cx="2824182" cy="4664943"/>
           </a:xfrm>
           <a:prstGeom prst="rect">
             <a:avLst/>
@@ -5683,10 +5681,10 @@
       </p:sp>
       <p:pic>
         <p:nvPicPr>
-          <p:cNvPr id="4" name="Picture 3">
-            <a:extLst>
-              <a:ext uri="{FF2B5EF4-FFF2-40B4-BE49-F238E27FC236}">
-                <a16:creationId xmlns:a16="http://schemas.microsoft.com/office/drawing/2014/main" id="{1033E564-19EC-4B05-BBB7-95E722DE4F04}"/>
+          <p:cNvPr id="9" name="Picture 8">
+            <a:extLst>
+              <a:ext uri="{FF2B5EF4-FFF2-40B4-BE49-F238E27FC236}">
+                <a16:creationId xmlns:a16="http://schemas.microsoft.com/office/drawing/2014/main" id="{3046A35F-7B86-454B-BBA0-B782F6043A58}"/>
               </a:ext>
             </a:extLst>
           </p:cNvPr>
@@ -5702,70 +5700,64 @@
                 <a14:imgProps xmlns:a14="http://schemas.microsoft.com/office/drawing/2010/main">
                   <a14:imgLayer r:embed="rId3">
                     <a14:imgEffect>
-                      <a14:backgroundRemoval t="5805" b="93633" l="2932" r="92834">
-                        <a14:foregroundMark x1="72150" y1="11236" x2="72150" y2="11236"/>
-                        <a14:foregroundMark x1="72801" y1="9363" x2="72801" y2="9363"/>
-                        <a14:foregroundMark x1="92834" y1="52996" x2="92834" y2="52996"/>
-                        <a14:foregroundMark x1="75570" y1="9363" x2="75570" y2="9363"/>
-                        <a14:foregroundMark x1="70684" y1="9738" x2="70684" y2="9738"/>
-                        <a14:foregroundMark x1="70033" y1="9363" x2="70033" y2="9363"/>
-                        <a14:foregroundMark x1="68730" y1="9738" x2="68730" y2="9738"/>
-                        <a14:foregroundMark x1="76547" y1="9738" x2="76547" y2="9738"/>
-                        <a14:foregroundMark x1="76547" y1="9363" x2="76547" y2="9363"/>
-                        <a14:foregroundMark x1="68730" y1="9738" x2="68730" y2="9738"/>
-                        <a14:foregroundMark x1="25733" y1="11236" x2="25733" y2="11236"/>
-                        <a14:foregroundMark x1="13192" y1="21161" x2="15798" y2="23034"/>
-                        <a14:foregroundMark x1="10923" y1="9617" x2="2769" y2="21536"/>
-                        <a14:foregroundMark x1="2769" y1="21536" x2="10805" y2="31756"/>
-                        <a14:foregroundMark x1="46836" y1="25980" x2="44982" y2="15079"/>
-                        <a14:foregroundMark x1="10636" y1="9131" x2="3583" y2="19101"/>
-                        <a14:foregroundMark x1="3583" y1="19101" x2="5375" y2="28464"/>
-                        <a14:foregroundMark x1="26384" y1="22285" x2="16450" y2="27341"/>
-                        <a14:foregroundMark x1="18241" y1="14419" x2="10423" y2="25281"/>
-                        <a14:foregroundMark x1="21010" y1="14045" x2="38599" y2="14045"/>
-                        <a14:foregroundMark x1="38599" y1="14045" x2="38925" y2="17228"/>
-                        <a14:foregroundMark x1="41531" y1="16479" x2="29316" y2="27341"/>
-                        <a14:foregroundMark x1="29316" y1="27341" x2="23290" y2="28464"/>
-                        <a14:foregroundMark x1="74430" y1="8989" x2="74430" y2="8989"/>
-                        <a14:foregroundMark x1="72476" y1="8989" x2="72476" y2="8989"/>
-                        <a14:foregroundMark x1="77850" y1="8989" x2="63847" y2="15722"/>
-                        <a14:foregroundMark x1="77524" y1="9738" x2="82573" y2="15918"/>
-                        <a14:foregroundMark x1="68730" y1="94007" x2="68730" y2="94007"/>
-                        <a14:foregroundMark x1="21010" y1="34644" x2="21010" y2="34644"/>
-                        <a14:foregroundMark x1="32410" y1="33895" x2="32410" y2="33895"/>
-                        <a14:foregroundMark x1="35505" y1="33146" x2="35505" y2="33146"/>
-                        <a14:foregroundMark x1="34202" y1="34270" x2="34202" y2="34270"/>
-                        <a14:foregroundMark x1="35179" y1="32397" x2="44625" y2="22285"/>
-                        <a14:foregroundMark x1="36482" y1="30337" x2="43648" y2="23034"/>
-                        <a14:foregroundMark x1="16938" y1="7491" x2="32899" y2="7491"/>
-                        <a14:foregroundMark x1="32899" y1="7491" x2="43322" y2="14794"/>
-                        <a14:foregroundMark x1="34202" y1="7116" x2="42997" y2="15169"/>
-                        <a14:foregroundMark x1="22964" y1="5805" x2="27687" y2="5805"/>
-                        <a14:foregroundMark x1="9446" y1="10112" x2="19870" y2="7865"/>
-                        <a14:foregroundMark x1="30782" y1="33146" x2="38599" y2="31648"/>
-                        <a14:foregroundMark x1="53746" y1="21536" x2="53746" y2="21536"/>
-                        <a14:backgroundMark x1="31307" y1="35540" x2="30619" y2="35955"/>
-                        <a14:backgroundMark x1="44300" y1="27715" x2="38958" y2="30932"/>
-                        <a14:backgroundMark x1="30619" y1="35955" x2="15309" y2="36330"/>
-                        <a14:backgroundMark x1="15309" y1="36330" x2="14821" y2="34644"/>
-                        <a14:backgroundMark x1="44951" y1="28090" x2="49023" y2="31273"/>
-                        <a14:backgroundMark x1="31312" y1="4804" x2="31107" y2="4682"/>
-                        <a14:backgroundMark x1="33882" y1="6333" x2="33625" y2="6180"/>
-                        <a14:backgroundMark x1="14527" y1="6545" x2="9446" y2="7116"/>
-                        <a14:backgroundMark x1="31107" y1="4682" x2="30021" y2="4804"/>
-                        <a14:backgroundMark x1="17264" y1="39326" x2="15147" y2="36330"/>
-                        <a14:backgroundMark x1="13844" y1="35955" x2="13844" y2="35955"/>
-                        <a14:backgroundMark x1="13844" y1="35581" x2="13844" y2="35581"/>
-                        <a14:backgroundMark x1="13518" y1="34644" x2="13518" y2="34644"/>
-                        <a14:backgroundMark x1="17590" y1="37453" x2="11401" y2="34270"/>
-                        <a14:backgroundMark x1="44625" y1="11236" x2="43431" y2="11236"/>
-                        <a14:backgroundMark x1="61238" y1="14419" x2="60261" y2="20599"/>
-                        <a14:backgroundMark x1="35831" y1="34644" x2="35831" y2="34644"/>
-                        <a14:backgroundMark x1="38274" y1="32772" x2="38274" y2="32772"/>
-                        <a14:backgroundMark x1="35831" y1="33521" x2="35831" y2="33521"/>
-                        <a14:backgroundMark x1="34528" y1="34644" x2="34528" y2="34644"/>
-                        <a14:backgroundMark x1="38599" y1="32397" x2="38599" y2="32397"/>
-                        <a14:backgroundMark x1="36482" y1="33895" x2="36482" y2="33895"/>
+                      <a14:backgroundRemoval t="3664" b="90733" l="1161" r="93759">
+                        <a14:foregroundMark x1="25980" y1="26724" x2="22496" y2="16379"/>
+                        <a14:foregroundMark x1="22496" y1="16379" x2="28592" y2="10345"/>
+                        <a14:foregroundMark x1="28592" y1="10345" x2="32946" y2="18966"/>
+                        <a14:foregroundMark x1="32946" y1="18966" x2="30334" y2="25431"/>
+                        <a14:foregroundMark x1="25793" y1="11095" x2="24528" y2="10776"/>
+                        <a14:foregroundMark x1="32221" y1="12716" x2="26084" y2="11168"/>
+                        <a14:foregroundMark x1="25206" y1="10161" x2="24528" y2="9914"/>
+                        <a14:foregroundMark x1="32801" y1="12931" x2="26669" y2="10695"/>
+                        <a14:foregroundMark x1="33091" y1="13793" x2="27220" y2="9531"/>
+                        <a14:foregroundMark x1="33091" y1="12716" x2="26125" y2="9267"/>
+                        <a14:foregroundMark x1="32221" y1="13147" x2="27576" y2="9052"/>
+                        <a14:foregroundMark x1="31205" y1="11638" x2="28737" y2="9267"/>
+                        <a14:foregroundMark x1="32366" y1="15302" x2="26851" y2="8190"/>
+                        <a14:foregroundMark x1="26851" y1="8190" x2="26441" y2="8291"/>
+                        <a14:foregroundMark x1="27325" y1="9698" x2="30914" y2="9698"/>
+                        <a14:foregroundMark x1="3338" y1="39224" x2="3338" y2="39224"/>
+                        <a14:foregroundMark x1="60087" y1="21121" x2="60087" y2="21121"/>
+                        <a14:foregroundMark x1="70102" y1="15302" x2="70102" y2="15302"/>
+                        <a14:foregroundMark x1="52250" y1="12931" x2="52250" y2="12931"/>
+                        <a14:foregroundMark x1="45428" y1="20905" x2="60087" y2="10560"/>
+                        <a14:foregroundMark x1="60087" y1="10560" x2="67779" y2="8836"/>
+                        <a14:foregroundMark x1="57184" y1="7974" x2="72714" y2="9052"/>
+                        <a14:foregroundMark x1="72714" y1="9052" x2="76778" y2="11422"/>
+                        <a14:foregroundMark x1="63570" y1="6681" x2="74020" y2="6897"/>
+                        <a14:foregroundMark x1="71988" y1="14009" x2="82293" y2="18750"/>
+                        <a14:foregroundMark x1="82293" y1="18750" x2="88534" y2="49784"/>
+                        <a14:foregroundMark x1="72134" y1="10560" x2="79826" y2="13793"/>
+                        <a14:foregroundMark x1="79826" y1="13793" x2="83599" y2="25216"/>
+                        <a14:foregroundMark x1="83599" y1="25216" x2="85196" y2="62931"/>
+                        <a14:foregroundMark x1="85196" y1="62931" x2="83745" y2="71767"/>
+                        <a14:foregroundMark x1="88099" y1="37716" x2="94194" y2="44397"/>
+                        <a14:foregroundMark x1="94194" y1="44397" x2="93033" y2="58621"/>
+                        <a14:foregroundMark x1="91437" y1="46983" x2="88970" y2="35776"/>
+                        <a14:foregroundMark x1="88970" y1="35776" x2="89405" y2="24353"/>
+                        <a14:foregroundMark x1="89405" y1="24353" x2="86938" y2="18534"/>
+                        <a14:foregroundMark x1="89695" y1="28879" x2="86357" y2="19397"/>
+                        <a14:foregroundMark x1="86357" y1="19397" x2="73385" y2="6768"/>
+                        <a14:foregroundMark x1="82438" y1="26509" x2="84180" y2="15733"/>
+                        <a14:foregroundMark x1="84180" y1="15733" x2="76056" y2="7062"/>
+                        <a14:foregroundMark x1="86647" y1="20905" x2="83309" y2="10345"/>
+                        <a14:foregroundMark x1="83309" y1="10345" x2="74311" y2="7974"/>
+                        <a14:foregroundMark x1="80842" y1="16379" x2="78988" y2="7384"/>
+                        <a14:foregroundMark x1="84325" y1="15302" x2="80552" y2="9914"/>
+                        <a14:foregroundMark x1="13498" y1="88362" x2="16255" y2="80388"/>
+                        <a14:foregroundMark x1="22351" y1="90948" x2="22351" y2="90948"/>
+                        <a14:foregroundMark x1="22787" y1="88578" x2="23222" y2="84914"/>
+                        <a14:foregroundMark x1="1306" y1="37500" x2="2322" y2="40086"/>
+                        <a14:foregroundMark x1="75472" y1="9698" x2="71765" y2="5398"/>
+                        <a14:foregroundMark x1="71698" y1="6681" x2="68135" y2="4679"/>
+                        <a14:foregroundMark x1="72714" y1="7328" x2="63861" y2="4741"/>
+                        <a14:backgroundMark x1="21045" y1="79957" x2="20610" y2="84483"/>
+                        <a14:backgroundMark x1="20029" y1="86422" x2="17852" y2="92026"/>
+                        <a14:backgroundMark x1="63060" y1="2642" x2="58636" y2="2155"/>
+                        <a14:backgroundMark x1="82148" y1="4741" x2="74424" y2="3891"/>
+                        <a14:backgroundMark x1="58636" y1="2155" x2="54572" y2="3664"/>
+                        <a14:backgroundMark x1="25835" y1="7328" x2="24238" y2="8621"/>
+                        <a14:backgroundMark x1="74456" y1="3017" x2="63570" y2="862"/>
                       </a14:backgroundRemoval>
                     </a14:imgEffect>
                   </a14:imgLayer>
@@ -5779,8 +5771,8 @@
         </p:blipFill>
         <p:spPr>
           <a:xfrm>
-            <a:off x="8230009" y="701061"/>
-            <a:ext cx="3912934" cy="3403105"/>
+            <a:off x="7825197" y="612845"/>
+            <a:ext cx="4181746" cy="2816154"/>
           </a:xfrm>
           <a:prstGeom prst="rect">
             <a:avLst/>
